--- a/SignalR.pptx
+++ b/SignalR.pptx
@@ -321,7 +321,7 @@
             <a:fld id="{AECD2893-674E-4467-B2F6-F1AA0EC2535E}" type="datetimeFigureOut">
               <a:rPr lang="fr-FR" smtClean="0"/>
               <a:pPr/>
-              <a:t>22/02/2015</a:t>
+              <a:t>06/10/2015</a:t>
             </a:fld>
             <a:endParaRPr lang="fr-FR"/>
           </a:p>
@@ -598,7 +598,7 @@
             <a:fld id="{AECD2893-674E-4467-B2F6-F1AA0EC2535E}" type="datetimeFigureOut">
               <a:rPr lang="fr-FR" smtClean="0"/>
               <a:pPr/>
-              <a:t>22/02/2015</a:t>
+              <a:t>06/10/2015</a:t>
             </a:fld>
             <a:endParaRPr lang="fr-FR"/>
           </a:p>
@@ -794,7 +794,7 @@
             <a:fld id="{AECD2893-674E-4467-B2F6-F1AA0EC2535E}" type="datetimeFigureOut">
               <a:rPr lang="fr-FR" smtClean="0"/>
               <a:pPr/>
-              <a:t>22/02/2015</a:t>
+              <a:t>06/10/2015</a:t>
             </a:fld>
             <a:endParaRPr lang="fr-FR"/>
           </a:p>
@@ -1069,7 +1069,7 @@
             <a:fld id="{AECD2893-674E-4467-B2F6-F1AA0EC2535E}" type="datetimeFigureOut">
               <a:rPr lang="fr-FR" smtClean="0"/>
               <a:pPr/>
-              <a:t>22/02/2015</a:t>
+              <a:t>06/10/2015</a:t>
             </a:fld>
             <a:endParaRPr lang="fr-FR"/>
           </a:p>
@@ -1412,7 +1412,7 @@
             <a:fld id="{AECD2893-674E-4467-B2F6-F1AA0EC2535E}" type="datetimeFigureOut">
               <a:rPr lang="fr-FR" smtClean="0"/>
               <a:pPr/>
-              <a:t>22/02/2015</a:t>
+              <a:t>06/10/2015</a:t>
             </a:fld>
             <a:endParaRPr lang="fr-FR"/>
           </a:p>
@@ -2037,7 +2037,7 @@
             <a:fld id="{AECD2893-674E-4467-B2F6-F1AA0EC2535E}" type="datetimeFigureOut">
               <a:rPr lang="fr-FR" smtClean="0"/>
               <a:pPr/>
-              <a:t>22/02/2015</a:t>
+              <a:t>06/10/2015</a:t>
             </a:fld>
             <a:endParaRPr lang="fr-FR"/>
           </a:p>
@@ -2899,7 +2899,7 @@
             <a:fld id="{AECD2893-674E-4467-B2F6-F1AA0EC2535E}" type="datetimeFigureOut">
               <a:rPr lang="fr-FR" smtClean="0"/>
               <a:pPr/>
-              <a:t>22/02/2015</a:t>
+              <a:t>06/10/2015</a:t>
             </a:fld>
             <a:endParaRPr lang="fr-FR"/>
           </a:p>
@@ -3071,7 +3071,7 @@
             <a:fld id="{AECD2893-674E-4467-B2F6-F1AA0EC2535E}" type="datetimeFigureOut">
               <a:rPr lang="fr-FR" smtClean="0"/>
               <a:pPr/>
-              <a:t>22/02/2015</a:t>
+              <a:t>06/10/2015</a:t>
             </a:fld>
             <a:endParaRPr lang="fr-FR"/>
           </a:p>
@@ -3253,7 +3253,7 @@
             <a:fld id="{AECD2893-674E-4467-B2F6-F1AA0EC2535E}" type="datetimeFigureOut">
               <a:rPr lang="fr-FR" smtClean="0"/>
               <a:pPr/>
-              <a:t>22/02/2015</a:t>
+              <a:t>06/10/2015</a:t>
             </a:fld>
             <a:endParaRPr lang="fr-FR"/>
           </a:p>
@@ -3425,7 +3425,7 @@
             <a:fld id="{AECD2893-674E-4467-B2F6-F1AA0EC2535E}" type="datetimeFigureOut">
               <a:rPr lang="fr-FR" smtClean="0"/>
               <a:pPr/>
-              <a:t>22/02/2015</a:t>
+              <a:t>06/10/2015</a:t>
             </a:fld>
             <a:endParaRPr lang="fr-FR"/>
           </a:p>
@@ -3674,7 +3674,7 @@
             <a:fld id="{AECD2893-674E-4467-B2F6-F1AA0EC2535E}" type="datetimeFigureOut">
               <a:rPr lang="fr-FR" smtClean="0"/>
               <a:pPr/>
-              <a:t>22/02/2015</a:t>
+              <a:t>06/10/2015</a:t>
             </a:fld>
             <a:endParaRPr lang="fr-FR"/>
           </a:p>
@@ -3968,7 +3968,7 @@
             <a:fld id="{AECD2893-674E-4467-B2F6-F1AA0EC2535E}" type="datetimeFigureOut">
               <a:rPr lang="fr-FR" smtClean="0"/>
               <a:pPr/>
-              <a:t>22/02/2015</a:t>
+              <a:t>06/10/2015</a:t>
             </a:fld>
             <a:endParaRPr lang="fr-FR"/>
           </a:p>
@@ -4414,7 +4414,7 @@
             <a:fld id="{AECD2893-674E-4467-B2F6-F1AA0EC2535E}" type="datetimeFigureOut">
               <a:rPr lang="fr-FR" smtClean="0"/>
               <a:pPr/>
-              <a:t>22/02/2015</a:t>
+              <a:t>06/10/2015</a:t>
             </a:fld>
             <a:endParaRPr lang="fr-FR"/>
           </a:p>
@@ -4534,7 +4534,7 @@
             <a:fld id="{AECD2893-674E-4467-B2F6-F1AA0EC2535E}" type="datetimeFigureOut">
               <a:rPr lang="fr-FR" smtClean="0"/>
               <a:pPr/>
-              <a:t>22/02/2015</a:t>
+              <a:t>06/10/2015</a:t>
             </a:fld>
             <a:endParaRPr lang="fr-FR"/>
           </a:p>
@@ -4631,7 +4631,7 @@
             <a:fld id="{AECD2893-674E-4467-B2F6-F1AA0EC2535E}" type="datetimeFigureOut">
               <a:rPr lang="fr-FR" smtClean="0"/>
               <a:pPr/>
-              <a:t>22/02/2015</a:t>
+              <a:t>06/10/2015</a:t>
             </a:fld>
             <a:endParaRPr lang="fr-FR"/>
           </a:p>
@@ -4912,7 +4912,7 @@
             <a:fld id="{AECD2893-674E-4467-B2F6-F1AA0EC2535E}" type="datetimeFigureOut">
               <a:rPr lang="fr-FR" smtClean="0"/>
               <a:pPr/>
-              <a:t>22/02/2015</a:t>
+              <a:t>06/10/2015</a:t>
             </a:fld>
             <a:endParaRPr lang="fr-FR"/>
           </a:p>
@@ -5189,7 +5189,7 @@
             <a:fld id="{AECD2893-674E-4467-B2F6-F1AA0EC2535E}" type="datetimeFigureOut">
               <a:rPr lang="fr-FR" smtClean="0"/>
               <a:pPr/>
-              <a:t>22/02/2015</a:t>
+              <a:t>06/10/2015</a:t>
             </a:fld>
             <a:endParaRPr lang="fr-FR"/>
           </a:p>
@@ -5756,7 +5756,7 @@
             <a:fld id="{AECD2893-674E-4467-B2F6-F1AA0EC2535E}" type="datetimeFigureOut">
               <a:rPr lang="fr-FR" smtClean="0"/>
               <a:pPr/>
-              <a:t>22/02/2015</a:t>
+              <a:t>06/10/2015</a:t>
             </a:fld>
             <a:endParaRPr lang="fr-FR"/>
           </a:p>
@@ -8012,11 +8012,7 @@
             </a:pPr>
             <a:r>
               <a:rPr lang="fr-FR" sz="2000" dirty="0" smtClean="0"/>
-              <a:t>	(</a:t>
-            </a:r>
-            <a:r>
-              <a:rPr lang="fr-FR" sz="2000" dirty="0" smtClean="0"/>
-              <a:t>JSONP ou CORS)</a:t>
+              <a:t>	(JSONP ou CORS)</a:t>
             </a:r>
             <a:endParaRPr lang="fr-FR" dirty="0" smtClean="0"/>
           </a:p>
@@ -8164,7 +8160,11 @@
           <a:p>
             <a:r>
               <a:rPr lang="fr-FR" dirty="0" smtClean="0"/>
-              <a:t>Plus 3 </a:t>
+              <a:t>Plus </a:t>
+            </a:r>
+            <a:r>
+              <a:rPr lang="fr-FR" dirty="0" smtClean="0"/>
+              <a:t>4 </a:t>
             </a:r>
             <a:r>
               <a:rPr lang="fr-FR" dirty="0" smtClean="0"/>
@@ -8354,13 +8354,8 @@
             <a:pPr lvl="1"/>
             <a:r>
               <a:rPr lang="fr-FR" dirty="0" smtClean="0"/>
-              <a:t>Windows </a:t>
-            </a:r>
-            <a:r>
-              <a:rPr lang="fr-FR" dirty="0" smtClean="0"/>
-              <a:t>RT</a:t>
-            </a:r>
-            <a:endParaRPr lang="fr-FR" dirty="0" smtClean="0"/>
+              <a:t>Windows RT</a:t>
+            </a:r>
           </a:p>
           <a:p>
             <a:pPr lvl="1"/>
